--- a/PowerPoints/Phase 3 - Claims Terminology/012 Inpatient Admissions.pptx
+++ b/PowerPoints/Phase 3 - Claims Terminology/012 Inpatient Admissions.pptx
@@ -111,6 +111,22 @@
       </a:defRPr>
     </a:lvl9pPr>
   </p:defaultTextStyle>
+  <p:extLst>
+    <p:ext uri="{EFAFB233-063F-42B5-8137-9DF3F51BA10A}">
+      <p15:sldGuideLst xmlns:p15="http://schemas.microsoft.com/office/powerpoint/2012/main">
+        <p15:guide id="1" orient="horz" pos="2160">
+          <p15:clr>
+            <a:srgbClr val="A4A3A4"/>
+          </p15:clr>
+        </p15:guide>
+        <p15:guide id="2" pos="3840">
+          <p15:clr>
+            <a:srgbClr val="A4A3A4"/>
+          </p15:clr>
+        </p15:guide>
+      </p15:sldGuideLst>
+    </p:ext>
+  </p:extLst>
 </p:presentation>
 </file>
 
@@ -196,7 +212,7 @@
           <a:p>
             <a:fld id="{FF759215-93B8-4CA6-9F07-54E411997C16}" type="datetimeFigureOut">
               <a:rPr lang="en-US" smtClean="0"/>
-              <a:t>3/3/2016</a:t>
+              <a:t>3/5/2016</a:t>
             </a:fld>
             <a:endParaRPr lang="en-US"/>
           </a:p>
@@ -260,38 +276,37 @@
           <a:p>
             <a:pPr lvl="0"/>
             <a:r>
-              <a:rPr lang="en-US" smtClean="0"/>
+              <a:rPr lang="en-US"/>
               <a:t>Click to edit Master text styles</a:t>
             </a:r>
           </a:p>
           <a:p>
             <a:pPr lvl="1"/>
             <a:r>
-              <a:rPr lang="en-US" smtClean="0"/>
+              <a:rPr lang="en-US"/>
               <a:t>Second level</a:t>
             </a:r>
           </a:p>
           <a:p>
             <a:pPr lvl="2"/>
             <a:r>
-              <a:rPr lang="en-US" smtClean="0"/>
+              <a:rPr lang="en-US"/>
               <a:t>Third level</a:t>
             </a:r>
           </a:p>
           <a:p>
             <a:pPr lvl="3"/>
             <a:r>
-              <a:rPr lang="en-US" smtClean="0"/>
+              <a:rPr lang="en-US"/>
               <a:t>Fourth level</a:t>
             </a:r>
           </a:p>
           <a:p>
             <a:pPr lvl="4"/>
             <a:r>
-              <a:rPr lang="en-US" smtClean="0"/>
+              <a:rPr lang="en-US"/>
               <a:t>Fifth level</a:t>
             </a:r>
-            <a:endParaRPr lang="en-US"/>
           </a:p>
         </p:txBody>
       </p:sp>
@@ -509,27 +524,27 @@
           <a:lstStyle/>
           <a:p>
             <a:r>
-              <a:rPr lang="en-US" dirty="0" smtClean="0"/>
+              <a:rPr lang="en-US" dirty="0"/>
               <a:t>Several fields in the claims database</a:t>
             </a:r>
             <a:r>
-              <a:rPr lang="en-US" baseline="0" dirty="0" smtClean="0"/>
+              <a:rPr lang="en-US" baseline="0" dirty="0"/>
               <a:t> refer only to inpatient claims.  Admission date is the date the patient was formally admitted to the hospital.  Admission type codes describe whether the admission was and emergency, and urgent admission, an admission for an elective procedure, etc.  Admission source identifies how the patient came to the hospital.  For example, this field will describe if the patient was referred by their physician, or by a health clinic or other hospital.  Admission source will also identify patients who came in through the emergency department or from an ambulatory surgery facility.  The discharge status code describes if the patient was routinely discharge, or transferred to a different facility.  The admitting diagnosis is the </a:t>
             </a:r>
             <a:r>
-              <a:rPr lang="en-US" baseline="0" dirty="0" err="1" smtClean="0"/>
+              <a:rPr lang="en-US" baseline="0" dirty="0" err="1"/>
               <a:t>primaruy</a:t>
             </a:r>
             <a:r>
-              <a:rPr lang="en-US" baseline="0" dirty="0" smtClean="0"/>
+              <a:rPr lang="en-US" baseline="0" dirty="0"/>
               <a:t> diagnosis used to explain the inpatient admission, while the present on admission code identifies all diagnoses that where </a:t>
             </a:r>
             <a:r>
-              <a:rPr lang="en-US" baseline="0" dirty="0" err="1" smtClean="0"/>
+              <a:rPr lang="en-US" baseline="0" dirty="0" err="1"/>
               <a:t>presenyt</a:t>
             </a:r>
             <a:r>
-              <a:rPr lang="en-US" baseline="0" dirty="0" smtClean="0"/>
+              <a:rPr lang="en-US" baseline="0" dirty="0"/>
               <a:t> when the patient was admitted.</a:t>
             </a:r>
             <a:endParaRPr lang="en-US" dirty="0"/>
@@ -616,7 +631,7 @@
           </a:lstStyle>
           <a:p>
             <a:r>
-              <a:rPr lang="en-US" smtClean="0"/>
+              <a:rPr lang="en-US"/>
               <a:t>Click to edit Master title style</a:t>
             </a:r>
             <a:endParaRPr lang="en-US" dirty="0"/>
@@ -690,7 +705,7 @@
           </a:lstStyle>
           <a:p>
             <a:r>
-              <a:rPr lang="en-US" smtClean="0"/>
+              <a:rPr lang="en-US"/>
               <a:t>Click to edit Master subtitle style</a:t>
             </a:r>
             <a:endParaRPr lang="en-US" dirty="0"/>
@@ -714,7 +729,7 @@
           <a:p>
             <a:fld id="{FF632088-7E42-4B13-8645-6CA4616862AF}" type="datetimeFigureOut">
               <a:rPr lang="en-US" smtClean="0"/>
-              <a:t>3/3/2016</a:t>
+              <a:t>3/5/2016</a:t>
             </a:fld>
             <a:endParaRPr lang="en-US"/>
           </a:p>
@@ -808,10 +823,9 @@
           <a:lstStyle/>
           <a:p>
             <a:r>
-              <a:rPr lang="en-US" smtClean="0"/>
+              <a:rPr lang="en-US"/>
               <a:t>Click to edit Master title style</a:t>
             </a:r>
-            <a:endParaRPr lang="en-US"/>
           </a:p>
         </p:txBody>
       </p:sp>
@@ -832,35 +846,35 @@
           <a:p>
             <a:pPr lvl="0"/>
             <a:r>
-              <a:rPr lang="en-US" smtClean="0"/>
+              <a:rPr lang="en-US"/>
               <a:t>Edit Master text styles</a:t>
             </a:r>
           </a:p>
           <a:p>
             <a:pPr lvl="1"/>
             <a:r>
-              <a:rPr lang="en-US" smtClean="0"/>
+              <a:rPr lang="en-US"/>
               <a:t>Second level</a:t>
             </a:r>
           </a:p>
           <a:p>
             <a:pPr lvl="2"/>
             <a:r>
-              <a:rPr lang="en-US" smtClean="0"/>
+              <a:rPr lang="en-US"/>
               <a:t>Third level</a:t>
             </a:r>
           </a:p>
           <a:p>
             <a:pPr lvl="3"/>
             <a:r>
-              <a:rPr lang="en-US" smtClean="0"/>
+              <a:rPr lang="en-US"/>
               <a:t>Fourth level</a:t>
             </a:r>
           </a:p>
           <a:p>
             <a:pPr lvl="4"/>
             <a:r>
-              <a:rPr lang="en-US" smtClean="0"/>
+              <a:rPr lang="en-US"/>
               <a:t>Fifth level</a:t>
             </a:r>
             <a:endParaRPr lang="en-US" dirty="0"/>
@@ -884,7 +898,7 @@
           <a:p>
             <a:fld id="{FF632088-7E42-4B13-8645-6CA4616862AF}" type="datetimeFigureOut">
               <a:rPr lang="en-US" smtClean="0"/>
-              <a:t>3/3/2016</a:t>
+              <a:t>3/5/2016</a:t>
             </a:fld>
             <a:endParaRPr lang="en-US"/>
           </a:p>
@@ -983,10 +997,9 @@
           <a:lstStyle/>
           <a:p>
             <a:r>
-              <a:rPr lang="en-US" smtClean="0"/>
+              <a:rPr lang="en-US"/>
               <a:t>Click to edit Master title style</a:t>
             </a:r>
-            <a:endParaRPr lang="en-US"/>
           </a:p>
         </p:txBody>
       </p:sp>
@@ -1012,38 +1025,37 @@
           <a:p>
             <a:pPr lvl="0"/>
             <a:r>
-              <a:rPr lang="en-US" smtClean="0"/>
+              <a:rPr lang="en-US"/>
               <a:t>Edit Master text styles</a:t>
             </a:r>
           </a:p>
           <a:p>
             <a:pPr lvl="1"/>
             <a:r>
-              <a:rPr lang="en-US" smtClean="0"/>
+              <a:rPr lang="en-US"/>
               <a:t>Second level</a:t>
             </a:r>
           </a:p>
           <a:p>
             <a:pPr lvl="2"/>
             <a:r>
-              <a:rPr lang="en-US" smtClean="0"/>
+              <a:rPr lang="en-US"/>
               <a:t>Third level</a:t>
             </a:r>
           </a:p>
           <a:p>
             <a:pPr lvl="3"/>
             <a:r>
-              <a:rPr lang="en-US" smtClean="0"/>
+              <a:rPr lang="en-US"/>
               <a:t>Fourth level</a:t>
             </a:r>
           </a:p>
           <a:p>
             <a:pPr lvl="4"/>
             <a:r>
-              <a:rPr lang="en-US" smtClean="0"/>
+              <a:rPr lang="en-US"/>
               <a:t>Fifth level</a:t>
             </a:r>
-            <a:endParaRPr lang="en-US"/>
           </a:p>
         </p:txBody>
       </p:sp>
@@ -1064,7 +1076,7 @@
           <a:p>
             <a:fld id="{FF632088-7E42-4B13-8645-6CA4616862AF}" type="datetimeFigureOut">
               <a:rPr lang="en-US" smtClean="0"/>
-              <a:t>3/3/2016</a:t>
+              <a:t>3/5/2016</a:t>
             </a:fld>
             <a:endParaRPr lang="en-US"/>
           </a:p>
@@ -1169,7 +1181,7 @@
           </a:lstStyle>
           <a:p>
             <a:r>
-              <a:rPr lang="en-US" smtClean="0"/>
+              <a:rPr lang="en-US"/>
               <a:t>Click to edit Master title style</a:t>
             </a:r>
             <a:endParaRPr lang="en-US" dirty="0"/>
@@ -1240,7 +1252,7 @@
           </a:lstStyle>
           <a:p>
             <a:r>
-              <a:rPr lang="en-US" smtClean="0"/>
+              <a:rPr lang="en-US"/>
               <a:t>Click to edit Master subtitle style</a:t>
             </a:r>
             <a:endParaRPr lang="en-US" dirty="0"/>
@@ -1264,7 +1276,7 @@
           <a:p>
             <a:fld id="{FF632088-7E42-4B13-8645-6CA4616862AF}" type="datetimeFigureOut">
               <a:rPr lang="en-US" smtClean="0"/>
-              <a:t>3/3/2016</a:t>
+              <a:t>3/5/2016</a:t>
             </a:fld>
             <a:endParaRPr lang="en-US"/>
           </a:p>
@@ -1405,7 +1417,7 @@
           <a:lstStyle/>
           <a:p>
             <a:r>
-              <a:rPr lang="en-US" smtClean="0"/>
+              <a:rPr lang="en-US"/>
               <a:t>Click to edit Master title style</a:t>
             </a:r>
             <a:endParaRPr lang="en-US" dirty="0"/>
@@ -1429,35 +1441,35 @@
           <a:p>
             <a:pPr lvl="0"/>
             <a:r>
-              <a:rPr lang="en-US" smtClean="0"/>
+              <a:rPr lang="en-US"/>
               <a:t>Edit Master text styles</a:t>
             </a:r>
           </a:p>
           <a:p>
             <a:pPr lvl="1"/>
             <a:r>
-              <a:rPr lang="en-US" smtClean="0"/>
+              <a:rPr lang="en-US"/>
               <a:t>Second level</a:t>
             </a:r>
           </a:p>
           <a:p>
             <a:pPr lvl="2"/>
             <a:r>
-              <a:rPr lang="en-US" smtClean="0"/>
+              <a:rPr lang="en-US"/>
               <a:t>Third level</a:t>
             </a:r>
           </a:p>
           <a:p>
             <a:pPr lvl="3"/>
             <a:r>
-              <a:rPr lang="en-US" smtClean="0"/>
+              <a:rPr lang="en-US"/>
               <a:t>Fourth level</a:t>
             </a:r>
           </a:p>
           <a:p>
             <a:pPr lvl="4"/>
             <a:r>
-              <a:rPr lang="en-US" smtClean="0"/>
+              <a:rPr lang="en-US"/>
               <a:t>Fifth level</a:t>
             </a:r>
             <a:endParaRPr lang="en-US" dirty="0"/>
@@ -1481,7 +1493,7 @@
           <a:p>
             <a:fld id="{FF632088-7E42-4B13-8645-6CA4616862AF}" type="datetimeFigureOut">
               <a:rPr lang="en-US" smtClean="0"/>
-              <a:t>3/3/2016</a:t>
+              <a:t>3/5/2016</a:t>
             </a:fld>
             <a:endParaRPr lang="en-US"/>
           </a:p>
@@ -1623,7 +1635,7 @@
           </a:lstStyle>
           <a:p>
             <a:r>
-              <a:rPr lang="en-US" smtClean="0"/>
+              <a:rPr lang="en-US"/>
               <a:t>Click to edit Master title style</a:t>
             </a:r>
             <a:endParaRPr lang="en-US" dirty="0"/>
@@ -1743,7 +1755,7 @@
           <a:p>
             <a:pPr lvl="0"/>
             <a:r>
-              <a:rPr lang="en-US" smtClean="0"/>
+              <a:rPr lang="en-US"/>
               <a:t>Edit Master text styles</a:t>
             </a:r>
           </a:p>
@@ -1766,7 +1778,7 @@
           <a:p>
             <a:fld id="{FF632088-7E42-4B13-8645-6CA4616862AF}" type="datetimeFigureOut">
               <a:rPr lang="en-US" smtClean="0"/>
-              <a:t>3/3/2016</a:t>
+              <a:t>3/5/2016</a:t>
             </a:fld>
             <a:endParaRPr lang="en-US"/>
           </a:p>
@@ -1902,7 +1914,7 @@
           <a:lstStyle/>
           <a:p>
             <a:r>
-              <a:rPr lang="en-US" smtClean="0"/>
+              <a:rPr lang="en-US"/>
               <a:t>Click to edit Master title style</a:t>
             </a:r>
             <a:endParaRPr lang="en-US" dirty="0"/>
@@ -1931,35 +1943,35 @@
           <a:p>
             <a:pPr lvl="0"/>
             <a:r>
-              <a:rPr lang="en-US" smtClean="0"/>
+              <a:rPr lang="en-US"/>
               <a:t>Edit Master text styles</a:t>
             </a:r>
           </a:p>
           <a:p>
             <a:pPr lvl="1"/>
             <a:r>
-              <a:rPr lang="en-US" smtClean="0"/>
+              <a:rPr lang="en-US"/>
               <a:t>Second level</a:t>
             </a:r>
           </a:p>
           <a:p>
             <a:pPr lvl="2"/>
             <a:r>
-              <a:rPr lang="en-US" smtClean="0"/>
+              <a:rPr lang="en-US"/>
               <a:t>Third level</a:t>
             </a:r>
           </a:p>
           <a:p>
             <a:pPr lvl="3"/>
             <a:r>
-              <a:rPr lang="en-US" smtClean="0"/>
+              <a:rPr lang="en-US"/>
               <a:t>Fourth level</a:t>
             </a:r>
           </a:p>
           <a:p>
             <a:pPr lvl="4"/>
             <a:r>
-              <a:rPr lang="en-US" smtClean="0"/>
+              <a:rPr lang="en-US"/>
               <a:t>Fifth level</a:t>
             </a:r>
             <a:endParaRPr lang="en-US" dirty="0"/>
@@ -1988,35 +2000,35 @@
           <a:p>
             <a:pPr lvl="0"/>
             <a:r>
-              <a:rPr lang="en-US" smtClean="0"/>
+              <a:rPr lang="en-US"/>
               <a:t>Edit Master text styles</a:t>
             </a:r>
           </a:p>
           <a:p>
             <a:pPr lvl="1"/>
             <a:r>
-              <a:rPr lang="en-US" smtClean="0"/>
+              <a:rPr lang="en-US"/>
               <a:t>Second level</a:t>
             </a:r>
           </a:p>
           <a:p>
             <a:pPr lvl="2"/>
             <a:r>
-              <a:rPr lang="en-US" smtClean="0"/>
+              <a:rPr lang="en-US"/>
               <a:t>Third level</a:t>
             </a:r>
           </a:p>
           <a:p>
             <a:pPr lvl="3"/>
             <a:r>
-              <a:rPr lang="en-US" smtClean="0"/>
+              <a:rPr lang="en-US"/>
               <a:t>Fourth level</a:t>
             </a:r>
           </a:p>
           <a:p>
             <a:pPr lvl="4"/>
             <a:r>
-              <a:rPr lang="en-US" smtClean="0"/>
+              <a:rPr lang="en-US"/>
               <a:t>Fifth level</a:t>
             </a:r>
             <a:endParaRPr lang="en-US" dirty="0"/>
@@ -2040,7 +2052,7 @@
           <a:p>
             <a:fld id="{FF632088-7E42-4B13-8645-6CA4616862AF}" type="datetimeFigureOut">
               <a:rPr lang="en-US" smtClean="0"/>
-              <a:t>3/3/2016</a:t>
+              <a:t>3/5/2016</a:t>
             </a:fld>
             <a:endParaRPr lang="en-US"/>
           </a:p>
@@ -2137,7 +2149,7 @@
   </p:clrMapOvr>
   <p:extLst>
     <p:ext uri="{DCECCB84-F9BA-43D5-87BE-67443E8EF086}">
-      <p15:sldGuideLst xmlns:p15="http://schemas.microsoft.com/office/powerpoint/2012/main" xmlns=""/>
+      <p15:sldGuideLst xmlns:p15="http://schemas.microsoft.com/office/powerpoint/2012/main"/>
     </p:ext>
   </p:extLst>
 </p:sldLayout>
@@ -2181,7 +2193,7 @@
           <a:lstStyle/>
           <a:p>
             <a:r>
-              <a:rPr lang="en-US" smtClean="0"/>
+              <a:rPr lang="en-US"/>
               <a:t>Click to edit Master title style</a:t>
             </a:r>
             <a:endParaRPr lang="en-US" dirty="0"/>
@@ -2256,7 +2268,7 @@
           <a:p>
             <a:pPr lvl="0"/>
             <a:r>
-              <a:rPr lang="en-US" smtClean="0"/>
+              <a:rPr lang="en-US"/>
               <a:t>Edit Master text styles</a:t>
             </a:r>
           </a:p>
@@ -2284,35 +2296,35 @@
           <a:p>
             <a:pPr lvl="0"/>
             <a:r>
-              <a:rPr lang="en-US" smtClean="0"/>
+              <a:rPr lang="en-US"/>
               <a:t>Edit Master text styles</a:t>
             </a:r>
           </a:p>
           <a:p>
             <a:pPr lvl="1"/>
             <a:r>
-              <a:rPr lang="en-US" smtClean="0"/>
+              <a:rPr lang="en-US"/>
               <a:t>Second level</a:t>
             </a:r>
           </a:p>
           <a:p>
             <a:pPr lvl="2"/>
             <a:r>
-              <a:rPr lang="en-US" smtClean="0"/>
+              <a:rPr lang="en-US"/>
               <a:t>Third level</a:t>
             </a:r>
           </a:p>
           <a:p>
             <a:pPr lvl="3"/>
             <a:r>
-              <a:rPr lang="en-US" smtClean="0"/>
+              <a:rPr lang="en-US"/>
               <a:t>Fourth level</a:t>
             </a:r>
           </a:p>
           <a:p>
             <a:pPr lvl="4"/>
             <a:r>
-              <a:rPr lang="en-US" smtClean="0"/>
+              <a:rPr lang="en-US"/>
               <a:t>Fifth level</a:t>
             </a:r>
             <a:endParaRPr lang="en-US" dirty="0"/>
@@ -2387,7 +2399,7 @@
           <a:p>
             <a:pPr lvl="0"/>
             <a:r>
-              <a:rPr lang="en-US" smtClean="0"/>
+              <a:rPr lang="en-US"/>
               <a:t>Edit Master text styles</a:t>
             </a:r>
           </a:p>
@@ -2415,35 +2427,35 @@
           <a:p>
             <a:pPr lvl="0"/>
             <a:r>
-              <a:rPr lang="en-US" smtClean="0"/>
+              <a:rPr lang="en-US"/>
               <a:t>Edit Master text styles</a:t>
             </a:r>
           </a:p>
           <a:p>
             <a:pPr lvl="1"/>
             <a:r>
-              <a:rPr lang="en-US" smtClean="0"/>
+              <a:rPr lang="en-US"/>
               <a:t>Second level</a:t>
             </a:r>
           </a:p>
           <a:p>
             <a:pPr lvl="2"/>
             <a:r>
-              <a:rPr lang="en-US" smtClean="0"/>
+              <a:rPr lang="en-US"/>
               <a:t>Third level</a:t>
             </a:r>
           </a:p>
           <a:p>
             <a:pPr lvl="3"/>
             <a:r>
-              <a:rPr lang="en-US" smtClean="0"/>
+              <a:rPr lang="en-US"/>
               <a:t>Fourth level</a:t>
             </a:r>
           </a:p>
           <a:p>
             <a:pPr lvl="4"/>
             <a:r>
-              <a:rPr lang="en-US" smtClean="0"/>
+              <a:rPr lang="en-US"/>
               <a:t>Fifth level</a:t>
             </a:r>
             <a:endParaRPr lang="en-US" dirty="0"/>
@@ -2467,7 +2479,7 @@
           <a:p>
             <a:fld id="{FF632088-7E42-4B13-8645-6CA4616862AF}" type="datetimeFigureOut">
               <a:rPr lang="en-US" smtClean="0"/>
-              <a:t>3/3/2016</a:t>
+              <a:t>3/5/2016</a:t>
             </a:fld>
             <a:endParaRPr lang="en-US"/>
           </a:p>
@@ -2564,7 +2576,7 @@
   </p:clrMapOvr>
   <p:extLst>
     <p:ext uri="{DCECCB84-F9BA-43D5-87BE-67443E8EF086}">
-      <p15:sldGuideLst xmlns:p15="http://schemas.microsoft.com/office/powerpoint/2012/main" xmlns=""/>
+      <p15:sldGuideLst xmlns:p15="http://schemas.microsoft.com/office/powerpoint/2012/main"/>
     </p:ext>
   </p:extLst>
 </p:sldLayout>
@@ -2603,7 +2615,7 @@
           <a:lstStyle/>
           <a:p>
             <a:r>
-              <a:rPr lang="en-US" smtClean="0"/>
+              <a:rPr lang="en-US"/>
               <a:t>Click to edit Master title style</a:t>
             </a:r>
             <a:endParaRPr lang="en-US" dirty="0"/>
@@ -2627,7 +2639,7 @@
           <a:p>
             <a:fld id="{FF632088-7E42-4B13-8645-6CA4616862AF}" type="datetimeFigureOut">
               <a:rPr lang="en-US" smtClean="0"/>
-              <a:t>3/3/2016</a:t>
+              <a:t>3/5/2016</a:t>
             </a:fld>
             <a:endParaRPr lang="en-US"/>
           </a:p>
@@ -2759,7 +2771,7 @@
           <a:p>
             <a:fld id="{FF632088-7E42-4B13-8645-6CA4616862AF}" type="datetimeFigureOut">
               <a:rPr lang="en-US" smtClean="0"/>
-              <a:t>3/3/2016</a:t>
+              <a:t>3/5/2016</a:t>
             </a:fld>
             <a:endParaRPr lang="en-US"/>
           </a:p>
@@ -2864,7 +2876,7 @@
           </a:lstStyle>
           <a:p>
             <a:r>
-              <a:rPr lang="en-US" smtClean="0"/>
+              <a:rPr lang="en-US"/>
               <a:t>Click to edit Master title style</a:t>
             </a:r>
             <a:endParaRPr lang="en-US" dirty="0"/>
@@ -2893,35 +2905,35 @@
           <a:p>
             <a:pPr lvl="0"/>
             <a:r>
-              <a:rPr lang="en-US" smtClean="0"/>
+              <a:rPr lang="en-US"/>
               <a:t>Edit Master text styles</a:t>
             </a:r>
           </a:p>
           <a:p>
             <a:pPr lvl="1"/>
             <a:r>
-              <a:rPr lang="en-US" smtClean="0"/>
+              <a:rPr lang="en-US"/>
               <a:t>Second level</a:t>
             </a:r>
           </a:p>
           <a:p>
             <a:pPr lvl="2"/>
             <a:r>
-              <a:rPr lang="en-US" smtClean="0"/>
+              <a:rPr lang="en-US"/>
               <a:t>Third level</a:t>
             </a:r>
           </a:p>
           <a:p>
             <a:pPr lvl="3"/>
             <a:r>
-              <a:rPr lang="en-US" smtClean="0"/>
+              <a:rPr lang="en-US"/>
               <a:t>Fourth level</a:t>
             </a:r>
           </a:p>
           <a:p>
             <a:pPr lvl="4"/>
             <a:r>
-              <a:rPr lang="en-US" smtClean="0"/>
+              <a:rPr lang="en-US"/>
               <a:t>Fifth level</a:t>
             </a:r>
             <a:endParaRPr lang="en-US" dirty="0"/>
@@ -2987,7 +2999,7 @@
           <a:p>
             <a:pPr lvl="0"/>
             <a:r>
-              <a:rPr lang="en-US" smtClean="0"/>
+              <a:rPr lang="en-US"/>
               <a:t>Edit Master text styles</a:t>
             </a:r>
           </a:p>
@@ -3010,7 +3022,7 @@
           <a:p>
             <a:fld id="{FF632088-7E42-4B13-8645-6CA4616862AF}" type="datetimeFigureOut">
               <a:rPr lang="en-US" smtClean="0"/>
-              <a:t>3/3/2016</a:t>
+              <a:t>3/5/2016</a:t>
             </a:fld>
             <a:endParaRPr lang="en-US"/>
           </a:p>
@@ -3107,7 +3119,7 @@
   </p:clrMapOvr>
   <p:extLst>
     <p:ext uri="{DCECCB84-F9BA-43D5-87BE-67443E8EF086}">
-      <p15:sldGuideLst xmlns:p15="http://schemas.microsoft.com/office/powerpoint/2012/main" xmlns=""/>
+      <p15:sldGuideLst xmlns:p15="http://schemas.microsoft.com/office/powerpoint/2012/main"/>
     </p:ext>
   </p:extLst>
 </p:sldLayout>
@@ -3146,7 +3158,7 @@
           <a:lstStyle/>
           <a:p>
             <a:r>
-              <a:rPr lang="en-US" smtClean="0"/>
+              <a:rPr lang="en-US"/>
               <a:t>Click to edit Master title style</a:t>
             </a:r>
             <a:endParaRPr lang="en-US" dirty="0"/>
@@ -3170,35 +3182,35 @@
           <a:p>
             <a:pPr lvl="0"/>
             <a:r>
-              <a:rPr lang="en-US" smtClean="0"/>
+              <a:rPr lang="en-US"/>
               <a:t>Edit Master text styles</a:t>
             </a:r>
           </a:p>
           <a:p>
             <a:pPr lvl="1"/>
             <a:r>
-              <a:rPr lang="en-US" smtClean="0"/>
+              <a:rPr lang="en-US"/>
               <a:t>Second level</a:t>
             </a:r>
           </a:p>
           <a:p>
             <a:pPr lvl="2"/>
             <a:r>
-              <a:rPr lang="en-US" smtClean="0"/>
+              <a:rPr lang="en-US"/>
               <a:t>Third level</a:t>
             </a:r>
           </a:p>
           <a:p>
             <a:pPr lvl="3"/>
             <a:r>
-              <a:rPr lang="en-US" smtClean="0"/>
+              <a:rPr lang="en-US"/>
               <a:t>Fourth level</a:t>
             </a:r>
           </a:p>
           <a:p>
             <a:pPr lvl="4"/>
             <a:r>
-              <a:rPr lang="en-US" smtClean="0"/>
+              <a:rPr lang="en-US"/>
               <a:t>Fifth level</a:t>
             </a:r>
             <a:endParaRPr lang="en-US" dirty="0"/>
@@ -3222,7 +3234,7 @@
           <a:p>
             <a:fld id="{FF632088-7E42-4B13-8645-6CA4616862AF}" type="datetimeFigureOut">
               <a:rPr lang="en-US" smtClean="0"/>
-              <a:t>3/3/2016</a:t>
+              <a:t>3/5/2016</a:t>
             </a:fld>
             <a:endParaRPr lang="en-US"/>
           </a:p>
@@ -3465,7 +3477,7 @@
           </a:lstStyle>
           <a:p>
             <a:r>
-              <a:rPr lang="en-US" smtClean="0"/>
+              <a:rPr lang="en-US"/>
               <a:t>Click to edit Master title style</a:t>
             </a:r>
             <a:endParaRPr lang="en-US" dirty="0"/>
@@ -3540,7 +3552,7 @@
           </a:lstStyle>
           <a:p>
             <a:r>
-              <a:rPr lang="en-US" smtClean="0"/>
+              <a:rPr lang="en-US"/>
               <a:t>Click icon to add picture</a:t>
             </a:r>
             <a:endParaRPr lang="en-US" dirty="0"/>
@@ -3608,7 +3620,7 @@
           <a:p>
             <a:pPr lvl="0"/>
             <a:r>
-              <a:rPr lang="en-US" smtClean="0"/>
+              <a:rPr lang="en-US"/>
               <a:t>Edit Master text styles</a:t>
             </a:r>
           </a:p>
@@ -3640,7 +3652,7 @@
           <a:p>
             <a:fld id="{FF632088-7E42-4B13-8645-6CA4616862AF}" type="datetimeFigureOut">
               <a:rPr lang="en-US" smtClean="0"/>
-              <a:t>3/3/2016</a:t>
+              <a:t>3/5/2016</a:t>
             </a:fld>
             <a:endParaRPr lang="en-US"/>
           </a:p>
@@ -3776,7 +3788,7 @@
           <a:lstStyle/>
           <a:p>
             <a:r>
-              <a:rPr lang="en-US" smtClean="0"/>
+              <a:rPr lang="en-US"/>
               <a:t>Click to edit Master title style</a:t>
             </a:r>
             <a:endParaRPr lang="en-US" dirty="0"/>
@@ -3800,35 +3812,35 @@
           <a:p>
             <a:pPr lvl="0"/>
             <a:r>
-              <a:rPr lang="en-US" smtClean="0"/>
+              <a:rPr lang="en-US"/>
               <a:t>Edit Master text styles</a:t>
             </a:r>
           </a:p>
           <a:p>
             <a:pPr lvl="1"/>
             <a:r>
-              <a:rPr lang="en-US" smtClean="0"/>
+              <a:rPr lang="en-US"/>
               <a:t>Second level</a:t>
             </a:r>
           </a:p>
           <a:p>
             <a:pPr lvl="2"/>
             <a:r>
-              <a:rPr lang="en-US" smtClean="0"/>
+              <a:rPr lang="en-US"/>
               <a:t>Third level</a:t>
             </a:r>
           </a:p>
           <a:p>
             <a:pPr lvl="3"/>
             <a:r>
-              <a:rPr lang="en-US" smtClean="0"/>
+              <a:rPr lang="en-US"/>
               <a:t>Fourth level</a:t>
             </a:r>
           </a:p>
           <a:p>
             <a:pPr lvl="4"/>
             <a:r>
-              <a:rPr lang="en-US" smtClean="0"/>
+              <a:rPr lang="en-US"/>
               <a:t>Fifth level</a:t>
             </a:r>
             <a:endParaRPr lang="en-US" dirty="0"/>
@@ -3852,7 +3864,7 @@
           <a:p>
             <a:fld id="{FF632088-7E42-4B13-8645-6CA4616862AF}" type="datetimeFigureOut">
               <a:rPr lang="en-US" smtClean="0"/>
-              <a:t>3/3/2016</a:t>
+              <a:t>3/5/2016</a:t>
             </a:fld>
             <a:endParaRPr lang="en-US"/>
           </a:p>
@@ -3992,7 +4004,7 @@
           </a:lstStyle>
           <a:p>
             <a:r>
-              <a:rPr lang="en-US" smtClean="0"/>
+              <a:rPr lang="en-US"/>
               <a:t>Click to edit Master title style</a:t>
             </a:r>
             <a:endParaRPr lang="en-US" dirty="0"/>
@@ -4021,35 +4033,35 @@
           <a:p>
             <a:pPr lvl="0"/>
             <a:r>
-              <a:rPr lang="en-US" smtClean="0"/>
+              <a:rPr lang="en-US"/>
               <a:t>Edit Master text styles</a:t>
             </a:r>
           </a:p>
           <a:p>
             <a:pPr lvl="1"/>
             <a:r>
-              <a:rPr lang="en-US" smtClean="0"/>
+              <a:rPr lang="en-US"/>
               <a:t>Second level</a:t>
             </a:r>
           </a:p>
           <a:p>
             <a:pPr lvl="2"/>
             <a:r>
-              <a:rPr lang="en-US" smtClean="0"/>
+              <a:rPr lang="en-US"/>
               <a:t>Third level</a:t>
             </a:r>
           </a:p>
           <a:p>
             <a:pPr lvl="3"/>
             <a:r>
-              <a:rPr lang="en-US" smtClean="0"/>
+              <a:rPr lang="en-US"/>
               <a:t>Fourth level</a:t>
             </a:r>
           </a:p>
           <a:p>
             <a:pPr lvl="4"/>
             <a:r>
-              <a:rPr lang="en-US" smtClean="0"/>
+              <a:rPr lang="en-US"/>
               <a:t>Fifth level</a:t>
             </a:r>
             <a:endParaRPr lang="en-US" dirty="0"/>
@@ -4073,7 +4085,7 @@
           <a:p>
             <a:fld id="{FF632088-7E42-4B13-8645-6CA4616862AF}" type="datetimeFigureOut">
               <a:rPr lang="en-US" smtClean="0"/>
-              <a:t>3/3/2016</a:t>
+              <a:t>3/5/2016</a:t>
             </a:fld>
             <a:endParaRPr lang="en-US"/>
           </a:p>
@@ -4215,7 +4227,7 @@
           </a:lstStyle>
           <a:p>
             <a:r>
-              <a:rPr lang="en-US" smtClean="0"/>
+              <a:rPr lang="en-US"/>
               <a:t>Click to edit Master title style</a:t>
             </a:r>
             <a:endParaRPr lang="en-US" dirty="0"/>
@@ -4338,7 +4350,7 @@
           <a:p>
             <a:pPr lvl="0"/>
             <a:r>
-              <a:rPr lang="en-US" smtClean="0"/>
+              <a:rPr lang="en-US"/>
               <a:t>Edit Master text styles</a:t>
             </a:r>
           </a:p>
@@ -4361,7 +4373,7 @@
           <a:p>
             <a:fld id="{FF632088-7E42-4B13-8645-6CA4616862AF}" type="datetimeFigureOut">
               <a:rPr lang="en-US" smtClean="0"/>
-              <a:t>3/3/2016</a:t>
+              <a:t>3/5/2016</a:t>
             </a:fld>
             <a:endParaRPr lang="en-US"/>
           </a:p>
@@ -4455,7 +4467,7 @@
           <a:lstStyle/>
           <a:p>
             <a:r>
-              <a:rPr lang="en-US" smtClean="0"/>
+              <a:rPr lang="en-US"/>
               <a:t>Click to edit Master title style</a:t>
             </a:r>
             <a:endParaRPr lang="en-US" dirty="0"/>
@@ -4484,35 +4496,35 @@
           <a:p>
             <a:pPr lvl="0"/>
             <a:r>
-              <a:rPr lang="en-US" smtClean="0"/>
+              <a:rPr lang="en-US"/>
               <a:t>Edit Master text styles</a:t>
             </a:r>
           </a:p>
           <a:p>
             <a:pPr lvl="1"/>
             <a:r>
-              <a:rPr lang="en-US" smtClean="0"/>
+              <a:rPr lang="en-US"/>
               <a:t>Second level</a:t>
             </a:r>
           </a:p>
           <a:p>
             <a:pPr lvl="2"/>
             <a:r>
-              <a:rPr lang="en-US" smtClean="0"/>
+              <a:rPr lang="en-US"/>
               <a:t>Third level</a:t>
             </a:r>
           </a:p>
           <a:p>
             <a:pPr lvl="3"/>
             <a:r>
-              <a:rPr lang="en-US" smtClean="0"/>
+              <a:rPr lang="en-US"/>
               <a:t>Fourth level</a:t>
             </a:r>
           </a:p>
           <a:p>
             <a:pPr lvl="4"/>
             <a:r>
-              <a:rPr lang="en-US" smtClean="0"/>
+              <a:rPr lang="en-US"/>
               <a:t>Fifth level</a:t>
             </a:r>
             <a:endParaRPr lang="en-US" dirty="0"/>
@@ -4541,35 +4553,35 @@
           <a:p>
             <a:pPr lvl="0"/>
             <a:r>
-              <a:rPr lang="en-US" smtClean="0"/>
+              <a:rPr lang="en-US"/>
               <a:t>Edit Master text styles</a:t>
             </a:r>
           </a:p>
           <a:p>
             <a:pPr lvl="1"/>
             <a:r>
-              <a:rPr lang="en-US" smtClean="0"/>
+              <a:rPr lang="en-US"/>
               <a:t>Second level</a:t>
             </a:r>
           </a:p>
           <a:p>
             <a:pPr lvl="2"/>
             <a:r>
-              <a:rPr lang="en-US" smtClean="0"/>
+              <a:rPr lang="en-US"/>
               <a:t>Third level</a:t>
             </a:r>
           </a:p>
           <a:p>
             <a:pPr lvl="3"/>
             <a:r>
-              <a:rPr lang="en-US" smtClean="0"/>
+              <a:rPr lang="en-US"/>
               <a:t>Fourth level</a:t>
             </a:r>
           </a:p>
           <a:p>
             <a:pPr lvl="4"/>
             <a:r>
-              <a:rPr lang="en-US" smtClean="0"/>
+              <a:rPr lang="en-US"/>
               <a:t>Fifth level</a:t>
             </a:r>
             <a:endParaRPr lang="en-US" dirty="0"/>
@@ -4593,7 +4605,7 @@
           <a:p>
             <a:fld id="{FF632088-7E42-4B13-8645-6CA4616862AF}" type="datetimeFigureOut">
               <a:rPr lang="en-US" smtClean="0"/>
-              <a:t>3/3/2016</a:t>
+              <a:t>3/5/2016</a:t>
             </a:fld>
             <a:endParaRPr lang="en-US"/>
           </a:p>
@@ -4653,7 +4665,7 @@
   </p:clrMapOvr>
   <p:extLst>
     <p:ext uri="{DCECCB84-F9BA-43D5-87BE-67443E8EF086}">
-      <p15:sldGuideLst xmlns:p15="http://schemas.microsoft.com/office/powerpoint/2012/main" xmlns=""/>
+      <p15:sldGuideLst xmlns:p15="http://schemas.microsoft.com/office/powerpoint/2012/main"/>
     </p:ext>
   </p:extLst>
 </p:sldLayout>
@@ -4740,7 +4752,7 @@
           <a:p>
             <a:pPr lvl="0"/>
             <a:r>
-              <a:rPr lang="en-US" smtClean="0"/>
+              <a:rPr lang="en-US"/>
               <a:t>Edit Master text styles</a:t>
             </a:r>
           </a:p>
@@ -4768,35 +4780,35 @@
           <a:p>
             <a:pPr lvl="0"/>
             <a:r>
-              <a:rPr lang="en-US" smtClean="0"/>
+              <a:rPr lang="en-US"/>
               <a:t>Edit Master text styles</a:t>
             </a:r>
           </a:p>
           <a:p>
             <a:pPr lvl="1"/>
             <a:r>
-              <a:rPr lang="en-US" smtClean="0"/>
+              <a:rPr lang="en-US"/>
               <a:t>Second level</a:t>
             </a:r>
           </a:p>
           <a:p>
             <a:pPr lvl="2"/>
             <a:r>
-              <a:rPr lang="en-US" smtClean="0"/>
+              <a:rPr lang="en-US"/>
               <a:t>Third level</a:t>
             </a:r>
           </a:p>
           <a:p>
             <a:pPr lvl="3"/>
             <a:r>
-              <a:rPr lang="en-US" smtClean="0"/>
+              <a:rPr lang="en-US"/>
               <a:t>Fourth level</a:t>
             </a:r>
           </a:p>
           <a:p>
             <a:pPr lvl="4"/>
             <a:r>
-              <a:rPr lang="en-US" smtClean="0"/>
+              <a:rPr lang="en-US"/>
               <a:t>Fifth level</a:t>
             </a:r>
             <a:endParaRPr lang="en-US" dirty="0"/>
@@ -4865,7 +4877,7 @@
           <a:p>
             <a:pPr lvl="0"/>
             <a:r>
-              <a:rPr lang="en-US" smtClean="0"/>
+              <a:rPr lang="en-US"/>
               <a:t>Edit Master text styles</a:t>
             </a:r>
           </a:p>
@@ -4893,38 +4905,37 @@
           <a:p>
             <a:pPr lvl="0"/>
             <a:r>
-              <a:rPr lang="en-US" smtClean="0"/>
+              <a:rPr lang="en-US"/>
               <a:t>Edit Master text styles</a:t>
             </a:r>
           </a:p>
           <a:p>
             <a:pPr lvl="1"/>
             <a:r>
-              <a:rPr lang="en-US" smtClean="0"/>
+              <a:rPr lang="en-US"/>
               <a:t>Second level</a:t>
             </a:r>
           </a:p>
           <a:p>
             <a:pPr lvl="2"/>
             <a:r>
-              <a:rPr lang="en-US" smtClean="0"/>
+              <a:rPr lang="en-US"/>
               <a:t>Third level</a:t>
             </a:r>
           </a:p>
           <a:p>
             <a:pPr lvl="3"/>
             <a:r>
-              <a:rPr lang="en-US" smtClean="0"/>
+              <a:rPr lang="en-US"/>
               <a:t>Fourth level</a:t>
             </a:r>
           </a:p>
           <a:p>
             <a:pPr lvl="4"/>
             <a:r>
-              <a:rPr lang="en-US" smtClean="0"/>
+              <a:rPr lang="en-US"/>
               <a:t>Fifth level</a:t>
             </a:r>
-            <a:endParaRPr lang="en-US"/>
           </a:p>
         </p:txBody>
       </p:sp>
@@ -4945,7 +4956,7 @@
           <a:p>
             <a:fld id="{FF632088-7E42-4B13-8645-6CA4616862AF}" type="datetimeFigureOut">
               <a:rPr lang="en-US" smtClean="0"/>
-              <a:t>3/3/2016</a:t>
+              <a:t>3/5/2016</a:t>
             </a:fld>
             <a:endParaRPr lang="en-US"/>
           </a:p>
@@ -5009,7 +5020,7 @@
           <a:lstStyle/>
           <a:p>
             <a:r>
-              <a:rPr lang="en-US" smtClean="0"/>
+              <a:rPr lang="en-US"/>
               <a:t>Click to edit Master title style</a:t>
             </a:r>
             <a:endParaRPr lang="en-US" dirty="0"/>
@@ -5028,7 +5039,7 @@
   </p:clrMapOvr>
   <p:extLst>
     <p:ext uri="{DCECCB84-F9BA-43D5-87BE-67443E8EF086}">
-      <p15:sldGuideLst xmlns:p15="http://schemas.microsoft.com/office/powerpoint/2012/main" xmlns=""/>
+      <p15:sldGuideLst xmlns:p15="http://schemas.microsoft.com/office/powerpoint/2012/main"/>
     </p:ext>
   </p:extLst>
 </p:sldLayout>
@@ -5068,7 +5079,7 @@
           <a:p>
             <a:fld id="{FF632088-7E42-4B13-8645-6CA4616862AF}" type="datetimeFigureOut">
               <a:rPr lang="en-US" smtClean="0"/>
-              <a:t>3/3/2016</a:t>
+              <a:t>3/5/2016</a:t>
             </a:fld>
             <a:endParaRPr lang="en-US"/>
           </a:p>
@@ -5132,10 +5143,9 @@
           <a:lstStyle/>
           <a:p>
             <a:r>
-              <a:rPr lang="en-US" smtClean="0"/>
+              <a:rPr lang="en-US"/>
               <a:t>Click to edit Master title style</a:t>
             </a:r>
-            <a:endParaRPr lang="en-US"/>
           </a:p>
         </p:txBody>
       </p:sp>
@@ -5186,7 +5196,7 @@
           <a:p>
             <a:fld id="{FF632088-7E42-4B13-8645-6CA4616862AF}" type="datetimeFigureOut">
               <a:rPr lang="en-US" smtClean="0"/>
-              <a:t>3/3/2016</a:t>
+              <a:t>3/5/2016</a:t>
             </a:fld>
             <a:endParaRPr lang="en-US"/>
           </a:p>
@@ -5291,7 +5301,7 @@
           </a:lstStyle>
           <a:p>
             <a:r>
-              <a:rPr lang="en-US" smtClean="0"/>
+              <a:rPr lang="en-US"/>
               <a:t>Click to edit Master title style</a:t>
             </a:r>
             <a:endParaRPr lang="en-US" dirty="0"/>
@@ -5348,35 +5358,35 @@
           <a:p>
             <a:pPr lvl="0"/>
             <a:r>
-              <a:rPr lang="en-US" smtClean="0"/>
+              <a:rPr lang="en-US"/>
               <a:t>Edit Master text styles</a:t>
             </a:r>
           </a:p>
           <a:p>
             <a:pPr lvl="1"/>
             <a:r>
-              <a:rPr lang="en-US" smtClean="0"/>
+              <a:rPr lang="en-US"/>
               <a:t>Second level</a:t>
             </a:r>
           </a:p>
           <a:p>
             <a:pPr lvl="2"/>
             <a:r>
-              <a:rPr lang="en-US" smtClean="0"/>
+              <a:rPr lang="en-US"/>
               <a:t>Third level</a:t>
             </a:r>
           </a:p>
           <a:p>
             <a:pPr lvl="3"/>
             <a:r>
-              <a:rPr lang="en-US" smtClean="0"/>
+              <a:rPr lang="en-US"/>
               <a:t>Fourth level</a:t>
             </a:r>
           </a:p>
           <a:p>
             <a:pPr lvl="4"/>
             <a:r>
-              <a:rPr lang="en-US" smtClean="0"/>
+              <a:rPr lang="en-US"/>
               <a:t>Fifth level</a:t>
             </a:r>
             <a:endParaRPr lang="en-US" dirty="0"/>
@@ -5447,7 +5457,7 @@
           <a:p>
             <a:pPr lvl="0"/>
             <a:r>
-              <a:rPr lang="en-US" smtClean="0"/>
+              <a:rPr lang="en-US"/>
               <a:t>Edit Master text styles</a:t>
             </a:r>
           </a:p>
@@ -5470,7 +5480,7 @@
           <a:p>
             <a:fld id="{FF632088-7E42-4B13-8645-6CA4616862AF}" type="datetimeFigureOut">
               <a:rPr lang="en-US" smtClean="0"/>
-              <a:t>3/3/2016</a:t>
+              <a:t>3/5/2016</a:t>
             </a:fld>
             <a:endParaRPr lang="en-US"/>
           </a:p>
@@ -5530,7 +5540,7 @@
   </p:clrMapOvr>
   <p:extLst>
     <p:ext uri="{DCECCB84-F9BA-43D5-87BE-67443E8EF086}">
-      <p15:sldGuideLst xmlns:p15="http://schemas.microsoft.com/office/powerpoint/2012/main" xmlns=""/>
+      <p15:sldGuideLst xmlns:p15="http://schemas.microsoft.com/office/powerpoint/2012/main"/>
     </p:ext>
   </p:extLst>
 </p:sldLayout>
@@ -5580,7 +5590,7 @@
           </a:lstStyle>
           <a:p>
             <a:r>
-              <a:rPr lang="en-US" smtClean="0"/>
+              <a:rPr lang="en-US"/>
               <a:t>Click to edit Master title style</a:t>
             </a:r>
             <a:endParaRPr lang="en-US" dirty="0"/>
@@ -5645,7 +5655,7 @@
           </a:lstStyle>
           <a:p>
             <a:r>
-              <a:rPr lang="en-US" smtClean="0"/>
+              <a:rPr lang="en-US"/>
               <a:t>Click icon to add picture</a:t>
             </a:r>
             <a:endParaRPr lang="en-US" dirty="0"/>
@@ -5716,7 +5726,7 @@
           <a:p>
             <a:pPr lvl="0"/>
             <a:r>
-              <a:rPr lang="en-US" smtClean="0"/>
+              <a:rPr lang="en-US"/>
               <a:t>Edit Master text styles</a:t>
             </a:r>
           </a:p>
@@ -5739,7 +5749,7 @@
           <a:p>
             <a:fld id="{FF632088-7E42-4B13-8645-6CA4616862AF}" type="datetimeFigureOut">
               <a:rPr lang="en-US" smtClean="0"/>
-              <a:t>3/3/2016</a:t>
+              <a:t>3/5/2016</a:t>
             </a:fld>
             <a:endParaRPr lang="en-US"/>
           </a:p>
@@ -5848,7 +5858,7 @@
           <a:lstStyle/>
           <a:p>
             <a:r>
-              <a:rPr lang="en-US" smtClean="0"/>
+              <a:rPr lang="en-US"/>
               <a:t>Click to edit Master title style</a:t>
             </a:r>
             <a:endParaRPr lang="en-US" dirty="0"/>
@@ -5882,35 +5892,35 @@
           <a:p>
             <a:pPr lvl="0"/>
             <a:r>
-              <a:rPr lang="en-US" smtClean="0"/>
+              <a:rPr lang="en-US"/>
               <a:t>Edit Master text styles</a:t>
             </a:r>
           </a:p>
           <a:p>
             <a:pPr lvl="1"/>
             <a:r>
-              <a:rPr lang="en-US" smtClean="0"/>
+              <a:rPr lang="en-US"/>
               <a:t>Second level</a:t>
             </a:r>
           </a:p>
           <a:p>
             <a:pPr lvl="2"/>
             <a:r>
-              <a:rPr lang="en-US" smtClean="0"/>
+              <a:rPr lang="en-US"/>
               <a:t>Third level</a:t>
             </a:r>
           </a:p>
           <a:p>
             <a:pPr lvl="3"/>
             <a:r>
-              <a:rPr lang="en-US" smtClean="0"/>
+              <a:rPr lang="en-US"/>
               <a:t>Fourth level</a:t>
             </a:r>
           </a:p>
           <a:p>
             <a:pPr lvl="4"/>
             <a:r>
-              <a:rPr lang="en-US" smtClean="0"/>
+              <a:rPr lang="en-US"/>
               <a:t>Fifth level</a:t>
             </a:r>
             <a:endParaRPr lang="en-US" dirty="0"/>
@@ -5953,7 +5963,7 @@
           <a:p>
             <a:fld id="{FF632088-7E42-4B13-8645-6CA4616862AF}" type="datetimeFigureOut">
               <a:rPr lang="en-US" smtClean="0"/>
-              <a:t>3/3/2016</a:t>
+              <a:t>3/5/2016</a:t>
             </a:fld>
             <a:endParaRPr lang="en-US"/>
           </a:p>
@@ -6329,7 +6339,7 @@
   </p:txStyles>
   <p:extLst>
     <p:ext uri="{27BBF7A9-308A-43DC-89C8-2F10F3537804}">
-      <p15:sldGuideLst xmlns:p15="http://schemas.microsoft.com/office/powerpoint/2012/main" xmlns=""/>
+      <p15:sldGuideLst xmlns:p15="http://schemas.microsoft.com/office/powerpoint/2012/main"/>
     </p:ext>
   </p:extLst>
 </p:sldMaster>
@@ -6455,7 +6465,7 @@
           <a:lstStyle/>
           <a:p>
             <a:r>
-              <a:rPr lang="en-US" smtClean="0"/>
+              <a:rPr lang="en-US"/>
               <a:t>Click to edit Master title style</a:t>
             </a:r>
             <a:endParaRPr lang="en-US" dirty="0"/>
@@ -6558,7 +6568,7 @@
           <a:p>
             <a:fld id="{FF632088-7E42-4B13-8645-6CA4616862AF}" type="datetimeFigureOut">
               <a:rPr lang="en-US" smtClean="0"/>
-              <a:t>3/3/2016</a:t>
+              <a:t>3/5/2016</a:t>
             </a:fld>
             <a:endParaRPr lang="en-US"/>
           </a:p>
@@ -7026,7 +7036,7 @@
   </p:txStyles>
   <p:extLst>
     <p:ext uri="{27BBF7A9-308A-43DC-89C8-2F10F3537804}">
-      <p15:sldGuideLst xmlns:p15="http://schemas.microsoft.com/office/powerpoint/2012/main" xmlns=""/>
+      <p15:sldGuideLst xmlns:p15="http://schemas.microsoft.com/office/powerpoint/2012/main"/>
     </p:ext>
   </p:extLst>
 </p:sldMaster>
@@ -7065,10 +7075,9 @@
           <a:lstStyle/>
           <a:p>
             <a:r>
-              <a:rPr lang="en-US" dirty="0" smtClean="0"/>
+              <a:rPr lang="en-US" dirty="0"/>
               <a:t>Inpatient Claims</a:t>
             </a:r>
-            <a:endParaRPr lang="en-US" dirty="0"/>
           </a:p>
         </p:txBody>
       </p:sp>
@@ -7088,13 +7097,45 @@
           <a:lstStyle/>
           <a:p>
             <a:r>
-              <a:rPr lang="en-US" smtClean="0"/>
+              <a:rPr lang="en-US"/>
               <a:t>Spyridon Ganas</a:t>
             </a:r>
-            <a:endParaRPr lang="en-US"/>
-          </a:p>
-        </p:txBody>
-      </p:sp>
+          </a:p>
+        </p:txBody>
+      </p:sp>
+      <p:pic>
+        <p:nvPicPr>
+          <p:cNvPr id="4" name="Audio 3">
+            <a:hlinkClick r:id="" action="ppaction://media"/>
+          </p:cNvPr>
+          <p:cNvPicPr>
+            <a:picLocks noChangeAspect="1"/>
+          </p:cNvPicPr>
+          <p:nvPr>
+            <a:audioFile r:link="rId2"/>
+            <p:extLst>
+              <p:ext uri="{DAA4B4D4-6D71-4841-9C94-3DE7FCFB9230}">
+                <p14:media xmlns:p14="http://schemas.microsoft.com/office/powerpoint/2010/main" r:embed="rId1"/>
+              </p:ext>
+            </p:extLst>
+          </p:nvPr>
+        </p:nvPicPr>
+        <p:blipFill>
+          <a:blip r:embed="rId4"/>
+          <a:stretch>
+            <a:fillRect/>
+          </a:stretch>
+        </p:blipFill>
+        <p:spPr>
+          <a:xfrm>
+            <a:off x="12871938" y="6084277"/>
+            <a:ext cx="609600" cy="609600"/>
+          </a:xfrm>
+          <a:prstGeom prst="rect">
+            <a:avLst/>
+          </a:prstGeom>
+        </p:spPr>
+      </p:pic>
     </p:spTree>
     <p:extLst>
       <p:ext uri="{BB962C8B-B14F-4D97-AF65-F5344CB8AC3E}">
@@ -7105,6 +7146,101 @@
   <p:clrMapOvr>
     <a:masterClrMapping/>
   </p:clrMapOvr>
+  <mc:AlternateContent xmlns:mc="http://schemas.openxmlformats.org/markup-compatibility/2006">
+    <mc:Choice xmlns:p14="http://schemas.microsoft.com/office/powerpoint/2010/main" Requires="p14">
+      <p:transition spd="slow" p14:dur="2000" advTm="7091"/>
+    </mc:Choice>
+    <mc:Fallback>
+      <p:transition spd="slow" advTm="7091"/>
+    </mc:Fallback>
+  </mc:AlternateContent>
+  <p:timing>
+    <p:tnLst>
+      <p:par>
+        <p:cTn id="1" dur="indefinite" restart="never" nodeType="tmRoot">
+          <p:childTnLst>
+            <p:seq concurrent="1" nextAc="seek">
+              <p:cTn id="2" dur="indefinite" nodeType="mainSeq">
+                <p:childTnLst>
+                  <p:par>
+                    <p:cTn id="3" fill="hold">
+                      <p:stCondLst>
+                        <p:cond delay="indefinite"/>
+                        <p:cond evt="onBegin" delay="0">
+                          <p:tn val="2"/>
+                        </p:cond>
+                      </p:stCondLst>
+                      <p:childTnLst>
+                        <p:par>
+                          <p:cTn id="4" fill="hold">
+                            <p:stCondLst>
+                              <p:cond delay="0"/>
+                            </p:stCondLst>
+                            <p:childTnLst>
+                              <p:par>
+                                <p:cTn id="5" presetID="1" presetClass="mediacall" presetSubtype="0" fill="hold" nodeType="afterEffect">
+                                  <p:stCondLst>
+                                    <p:cond delay="0"/>
+                                  </p:stCondLst>
+                                  <p:childTnLst>
+                                    <p:cmd type="call" cmd="playFrom(0.0)">
+                                      <p:cBhvr>
+                                        <p:cTn id="6" dur="1" fill="hold"/>
+                                        <p:tgtEl>
+                                          <p:spTgt spid="4"/>
+                                        </p:tgtEl>
+                                      </p:cBhvr>
+                                    </p:cmd>
+                                  </p:childTnLst>
+                                </p:cTn>
+                              </p:par>
+                            </p:childTnLst>
+                          </p:cTn>
+                        </p:par>
+                      </p:childTnLst>
+                    </p:cTn>
+                  </p:par>
+                </p:childTnLst>
+              </p:cTn>
+              <p:prevCondLst>
+                <p:cond evt="onPrev" delay="0">
+                  <p:tgtEl>
+                    <p:sldTgt/>
+                  </p:tgtEl>
+                </p:cond>
+              </p:prevCondLst>
+              <p:nextCondLst>
+                <p:cond evt="onNext" delay="0">
+                  <p:tgtEl>
+                    <p:sldTgt/>
+                  </p:tgtEl>
+                </p:cond>
+              </p:nextCondLst>
+            </p:seq>
+            <p:audio isNarration="1">
+              <p:cMediaNode vol="80000" showWhenStopped="0">
+                <p:cTn id="7" fill="hold" display="0">
+                  <p:stCondLst>
+                    <p:cond delay="indefinite"/>
+                  </p:stCondLst>
+                  <p:endCondLst>
+                    <p:cond evt="onStopAudio" delay="0">
+                      <p:tgtEl>
+                        <p:sldTgt/>
+                      </p:tgtEl>
+                    </p:cond>
+                  </p:endCondLst>
+                </p:cTn>
+                <p:tgtEl>
+                  <p:spTgt spid="4"/>
+                </p:tgtEl>
+              </p:cMediaNode>
+            </p:audio>
+          </p:childTnLst>
+        </p:cTn>
+      </p:par>
+    </p:tnLst>
+  </p:timing>
 </p:sld>
 </file>
 
@@ -7141,10 +7277,9 @@
           <a:lstStyle/>
           <a:p>
             <a:r>
-              <a:rPr lang="en-US" dirty="0" smtClean="0"/>
+              <a:rPr lang="en-US" dirty="0"/>
               <a:t>Inpatient Services</a:t>
             </a:r>
-            <a:endParaRPr lang="en-US" dirty="0"/>
           </a:p>
         </p:txBody>
       </p:sp>
@@ -7164,25 +7299,57 @@
           <a:lstStyle/>
           <a:p>
             <a:r>
-              <a:rPr lang="en-US" dirty="0" smtClean="0"/>
+              <a:rPr lang="en-US" dirty="0"/>
               <a:t>Inpatient services occur after a doctor formally admits a patient to a hospital.</a:t>
             </a:r>
           </a:p>
           <a:p>
             <a:r>
-              <a:rPr lang="en-US" dirty="0" smtClean="0"/>
+              <a:rPr lang="en-US" dirty="0"/>
               <a:t>An inpatient stay continues until the patients discharge date.</a:t>
             </a:r>
           </a:p>
           <a:p>
             <a:r>
-              <a:rPr lang="en-US" dirty="0" smtClean="0"/>
+              <a:rPr lang="en-US" dirty="0"/>
               <a:t>All medical procedures and prescription drugs occurring during this time will be recorded as part of the inpatient stay.</a:t>
             </a:r>
-            <a:endParaRPr lang="en-US" dirty="0"/>
-          </a:p>
-        </p:txBody>
-      </p:sp>
+          </a:p>
+        </p:txBody>
+      </p:sp>
+      <p:pic>
+        <p:nvPicPr>
+          <p:cNvPr id="4" name="Audio 3">
+            <a:hlinkClick r:id="" action="ppaction://media"/>
+          </p:cNvPr>
+          <p:cNvPicPr>
+            <a:picLocks noChangeAspect="1"/>
+          </p:cNvPicPr>
+          <p:nvPr>
+            <a:audioFile r:link="rId2"/>
+            <p:extLst>
+              <p:ext uri="{DAA4B4D4-6D71-4841-9C94-3DE7FCFB9230}">
+                <p14:media xmlns:p14="http://schemas.microsoft.com/office/powerpoint/2010/main" r:embed="rId1"/>
+              </p:ext>
+            </p:extLst>
+          </p:nvPr>
+        </p:nvPicPr>
+        <p:blipFill>
+          <a:blip r:embed="rId4"/>
+          <a:stretch>
+            <a:fillRect/>
+          </a:stretch>
+        </p:blipFill>
+        <p:spPr>
+          <a:xfrm>
+            <a:off x="12778154" y="6236677"/>
+            <a:ext cx="609600" cy="609600"/>
+          </a:xfrm>
+          <a:prstGeom prst="rect">
+            <a:avLst/>
+          </a:prstGeom>
+        </p:spPr>
+      </p:pic>
     </p:spTree>
     <p:extLst>
       <p:ext uri="{BB962C8B-B14F-4D97-AF65-F5344CB8AC3E}">
@@ -7193,6 +7360,101 @@
   <p:clrMapOvr>
     <a:masterClrMapping/>
   </p:clrMapOvr>
+  <mc:AlternateContent xmlns:mc="http://schemas.openxmlformats.org/markup-compatibility/2006">
+    <mc:Choice xmlns:p14="http://schemas.microsoft.com/office/powerpoint/2010/main" Requires="p14">
+      <p:transition spd="slow" p14:dur="2000" advTm="20879"/>
+    </mc:Choice>
+    <mc:Fallback>
+      <p:transition spd="slow" advTm="20879"/>
+    </mc:Fallback>
+  </mc:AlternateContent>
+  <p:timing>
+    <p:tnLst>
+      <p:par>
+        <p:cTn id="1" dur="indefinite" restart="never" nodeType="tmRoot">
+          <p:childTnLst>
+            <p:seq concurrent="1" nextAc="seek">
+              <p:cTn id="2" dur="indefinite" nodeType="mainSeq">
+                <p:childTnLst>
+                  <p:par>
+                    <p:cTn id="3" fill="hold">
+                      <p:stCondLst>
+                        <p:cond delay="indefinite"/>
+                        <p:cond evt="onBegin" delay="0">
+                          <p:tn val="2"/>
+                        </p:cond>
+                      </p:stCondLst>
+                      <p:childTnLst>
+                        <p:par>
+                          <p:cTn id="4" fill="hold">
+                            <p:stCondLst>
+                              <p:cond delay="0"/>
+                            </p:stCondLst>
+                            <p:childTnLst>
+                              <p:par>
+                                <p:cTn id="5" presetID="1" presetClass="mediacall" presetSubtype="0" fill="hold" nodeType="afterEffect">
+                                  <p:stCondLst>
+                                    <p:cond delay="0"/>
+                                  </p:stCondLst>
+                                  <p:childTnLst>
+                                    <p:cmd type="call" cmd="playFrom(0.0)">
+                                      <p:cBhvr>
+                                        <p:cTn id="6" dur="1" fill="hold"/>
+                                        <p:tgtEl>
+                                          <p:spTgt spid="4"/>
+                                        </p:tgtEl>
+                                      </p:cBhvr>
+                                    </p:cmd>
+                                  </p:childTnLst>
+                                </p:cTn>
+                              </p:par>
+                            </p:childTnLst>
+                          </p:cTn>
+                        </p:par>
+                      </p:childTnLst>
+                    </p:cTn>
+                  </p:par>
+                </p:childTnLst>
+              </p:cTn>
+              <p:prevCondLst>
+                <p:cond evt="onPrev" delay="0">
+                  <p:tgtEl>
+                    <p:sldTgt/>
+                  </p:tgtEl>
+                </p:cond>
+              </p:prevCondLst>
+              <p:nextCondLst>
+                <p:cond evt="onNext" delay="0">
+                  <p:tgtEl>
+                    <p:sldTgt/>
+                  </p:tgtEl>
+                </p:cond>
+              </p:nextCondLst>
+            </p:seq>
+            <p:audio isNarration="1">
+              <p:cMediaNode vol="80000" showWhenStopped="0">
+                <p:cTn id="7" fill="hold" display="0">
+                  <p:stCondLst>
+                    <p:cond delay="indefinite"/>
+                  </p:stCondLst>
+                  <p:endCondLst>
+                    <p:cond evt="onStopAudio" delay="0">
+                      <p:tgtEl>
+                        <p:sldTgt/>
+                      </p:tgtEl>
+                    </p:cond>
+                  </p:endCondLst>
+                </p:cTn>
+                <p:tgtEl>
+                  <p:spTgt spid="4"/>
+                </p:tgtEl>
+              </p:cMediaNode>
+            </p:audio>
+          </p:childTnLst>
+        </p:cTn>
+      </p:par>
+    </p:tnLst>
+  </p:timing>
 </p:sld>
 </file>
 
@@ -7229,10 +7491,9 @@
           <a:lstStyle/>
           <a:p>
             <a:r>
-              <a:rPr lang="en-US" dirty="0" smtClean="0"/>
+              <a:rPr lang="en-US" dirty="0"/>
               <a:t>Inpatient data elements</a:t>
             </a:r>
-            <a:endParaRPr lang="en-US" dirty="0"/>
           </a:p>
         </p:txBody>
       </p:sp>
@@ -7252,43 +7513,75 @@
           <a:lstStyle/>
           <a:p>
             <a:r>
-              <a:rPr lang="en-US" dirty="0" smtClean="0"/>
+              <a:rPr lang="en-US" dirty="0"/>
               <a:t>Admission Date</a:t>
             </a:r>
           </a:p>
           <a:p>
             <a:r>
-              <a:rPr lang="en-US" dirty="0" smtClean="0"/>
+              <a:rPr lang="en-US" dirty="0"/>
               <a:t>Admission Type</a:t>
             </a:r>
           </a:p>
           <a:p>
             <a:r>
-              <a:rPr lang="en-US" dirty="0" smtClean="0"/>
+              <a:rPr lang="en-US" dirty="0"/>
               <a:t>Admission Source</a:t>
             </a:r>
           </a:p>
           <a:p>
             <a:r>
-              <a:rPr lang="en-US" dirty="0" smtClean="0"/>
+              <a:rPr lang="en-US" dirty="0"/>
               <a:t>Discharge Status Code</a:t>
             </a:r>
           </a:p>
           <a:p>
             <a:r>
-              <a:rPr lang="en-US" dirty="0" smtClean="0"/>
+              <a:rPr lang="en-US" dirty="0"/>
               <a:t>Admitting Diagnosis</a:t>
             </a:r>
           </a:p>
           <a:p>
             <a:r>
-              <a:rPr lang="en-US" dirty="0" smtClean="0"/>
+              <a:rPr lang="en-US" dirty="0"/>
               <a:t>Present on Admission Code</a:t>
             </a:r>
-            <a:endParaRPr lang="en-US" dirty="0"/>
-          </a:p>
-        </p:txBody>
-      </p:sp>
+          </a:p>
+        </p:txBody>
+      </p:sp>
+      <p:pic>
+        <p:nvPicPr>
+          <p:cNvPr id="4" name="Audio 3">
+            <a:hlinkClick r:id="" action="ppaction://media"/>
+          </p:cNvPr>
+          <p:cNvPicPr>
+            <a:picLocks noChangeAspect="1"/>
+          </p:cNvPicPr>
+          <p:nvPr>
+            <a:audioFile r:link="rId2"/>
+            <p:extLst>
+              <p:ext uri="{DAA4B4D4-6D71-4841-9C94-3DE7FCFB9230}">
+                <p14:media xmlns:p14="http://schemas.microsoft.com/office/powerpoint/2010/main" r:embed="rId1"/>
+              </p:ext>
+            </p:extLst>
+          </p:nvPr>
+        </p:nvPicPr>
+        <p:blipFill>
+          <a:blip r:embed="rId5"/>
+          <a:stretch>
+            <a:fillRect/>
+          </a:stretch>
+        </p:blipFill>
+        <p:spPr>
+          <a:xfrm>
+            <a:off x="12965723" y="6013939"/>
+            <a:ext cx="609600" cy="609600"/>
+          </a:xfrm>
+          <a:prstGeom prst="rect">
+            <a:avLst/>
+          </a:prstGeom>
+        </p:spPr>
+      </p:pic>
     </p:spTree>
     <p:extLst>
       <p:ext uri="{BB962C8B-B14F-4D97-AF65-F5344CB8AC3E}">
@@ -7299,6 +7592,101 @@
   <p:clrMapOvr>
     <a:masterClrMapping/>
   </p:clrMapOvr>
+  <mc:AlternateContent xmlns:mc="http://schemas.openxmlformats.org/markup-compatibility/2006">
+    <mc:Choice xmlns:p14="http://schemas.microsoft.com/office/powerpoint/2010/main" Requires="p14">
+      <p:transition spd="slow" p14:dur="2000" advTm="65379"/>
+    </mc:Choice>
+    <mc:Fallback>
+      <p:transition spd="slow" advTm="65379"/>
+    </mc:Fallback>
+  </mc:AlternateContent>
+  <p:timing>
+    <p:tnLst>
+      <p:par>
+        <p:cTn id="1" dur="indefinite" restart="never" nodeType="tmRoot">
+          <p:childTnLst>
+            <p:seq concurrent="1" nextAc="seek">
+              <p:cTn id="2" dur="indefinite" nodeType="mainSeq">
+                <p:childTnLst>
+                  <p:par>
+                    <p:cTn id="3" fill="hold">
+                      <p:stCondLst>
+                        <p:cond delay="indefinite"/>
+                        <p:cond evt="onBegin" delay="0">
+                          <p:tn val="2"/>
+                        </p:cond>
+                      </p:stCondLst>
+                      <p:childTnLst>
+                        <p:par>
+                          <p:cTn id="4" fill="hold">
+                            <p:stCondLst>
+                              <p:cond delay="0"/>
+                            </p:stCondLst>
+                            <p:childTnLst>
+                              <p:par>
+                                <p:cTn id="5" presetID="1" presetClass="mediacall" presetSubtype="0" fill="hold" nodeType="afterEffect">
+                                  <p:stCondLst>
+                                    <p:cond delay="0"/>
+                                  </p:stCondLst>
+                                  <p:childTnLst>
+                                    <p:cmd type="call" cmd="playFrom(0.0)">
+                                      <p:cBhvr>
+                                        <p:cTn id="6" dur="1" fill="hold"/>
+                                        <p:tgtEl>
+                                          <p:spTgt spid="4"/>
+                                        </p:tgtEl>
+                                      </p:cBhvr>
+                                    </p:cmd>
+                                  </p:childTnLst>
+                                </p:cTn>
+                              </p:par>
+                            </p:childTnLst>
+                          </p:cTn>
+                        </p:par>
+                      </p:childTnLst>
+                    </p:cTn>
+                  </p:par>
+                </p:childTnLst>
+              </p:cTn>
+              <p:prevCondLst>
+                <p:cond evt="onPrev" delay="0">
+                  <p:tgtEl>
+                    <p:sldTgt/>
+                  </p:tgtEl>
+                </p:cond>
+              </p:prevCondLst>
+              <p:nextCondLst>
+                <p:cond evt="onNext" delay="0">
+                  <p:tgtEl>
+                    <p:sldTgt/>
+                  </p:tgtEl>
+                </p:cond>
+              </p:nextCondLst>
+            </p:seq>
+            <p:audio isNarration="1">
+              <p:cMediaNode vol="80000" showWhenStopped="0">
+                <p:cTn id="7" fill="hold" display="0">
+                  <p:stCondLst>
+                    <p:cond delay="indefinite"/>
+                  </p:stCondLst>
+                  <p:endCondLst>
+                    <p:cond evt="onStopAudio" delay="0">
+                      <p:tgtEl>
+                        <p:sldTgt/>
+                      </p:tgtEl>
+                    </p:cond>
+                  </p:endCondLst>
+                </p:cTn>
+                <p:tgtEl>
+                  <p:spTgt spid="4"/>
+                </p:tgtEl>
+              </p:cMediaNode>
+            </p:audio>
+          </p:childTnLst>
+        </p:cTn>
+      </p:par>
+    </p:tnLst>
+  </p:timing>
 </p:sld>
 </file>
 
@@ -7335,10 +7723,9 @@
           <a:lstStyle/>
           <a:p>
             <a:r>
-              <a:rPr lang="en-US" smtClean="0"/>
+              <a:rPr lang="en-US"/>
               <a:t>References</a:t>
             </a:r>
-            <a:endParaRPr lang="en-US"/>
           </a:p>
         </p:txBody>
       </p:sp>
@@ -7366,54 +7753,30 @@
           </a:p>
           <a:p>
             <a:r>
-              <a:rPr lang="en-US" dirty="0" smtClean="0">
-                <a:hlinkClick r:id="rId2"/>
-              </a:rPr>
-              <a:t>http</a:t>
-            </a:r>
-            <a:r>
               <a:rPr lang="en-US" dirty="0">
                 <a:hlinkClick r:id="rId2"/>
               </a:rPr>
-              <a:t>://</a:t>
-            </a:r>
-            <a:r>
-              <a:rPr lang="en-US" dirty="0" smtClean="0">
-                <a:hlinkClick r:id="rId2"/>
-              </a:rPr>
-              <a:t>www.scha.org/files/documents/patient_discharge_status_hx_10-01-09_10-01-13.pdf</a:t>
-            </a:r>
-            <a:endParaRPr lang="en-US" dirty="0" smtClean="0"/>
+              <a:t>http://www.scha.org/files/documents/patient_discharge_status_hx_10-01-09_10-01-13.pdf</a:t>
+            </a:r>
+            <a:endParaRPr lang="en-US" dirty="0"/>
           </a:p>
           <a:p>
             <a:r>
               <a:rPr lang="en-US" dirty="0">
                 <a:hlinkClick r:id="rId3"/>
               </a:rPr>
-              <a:t>http://</a:t>
-            </a:r>
-            <a:r>
-              <a:rPr lang="en-US" dirty="0" smtClean="0">
-                <a:hlinkClick r:id="rId3"/>
-              </a:rPr>
-              <a:t>www.resdac.org/cms-data/variables/Claim-Source-Inpatient-Admission-Code</a:t>
-            </a:r>
-            <a:endParaRPr lang="en-US" dirty="0" smtClean="0"/>
+              <a:t>http://www.resdac.org/cms-data/variables/Claim-Source-Inpatient-Admission-Code</a:t>
+            </a:r>
+            <a:endParaRPr lang="en-US" dirty="0"/>
           </a:p>
           <a:p>
             <a:r>
               <a:rPr lang="en-US" dirty="0">
                 <a:hlinkClick r:id="rId4"/>
               </a:rPr>
-              <a:t>http://</a:t>
-            </a:r>
-            <a:r>
-              <a:rPr lang="en-US" dirty="0" smtClean="0">
-                <a:hlinkClick r:id="rId4"/>
-              </a:rPr>
-              <a:t>www.resdac.org/cms-data/variables/Claim-Inpatient-Admission-Type-Code</a:t>
-            </a:r>
-            <a:endParaRPr lang="en-US" dirty="0" smtClean="0"/>
+              <a:t>http://www.resdac.org/cms-data/variables/Claim-Inpatient-Admission-Type-Code</a:t>
+            </a:r>
+            <a:endParaRPr lang="en-US" dirty="0"/>
           </a:p>
           <a:p>
             <a:endParaRPr lang="en-US" dirty="0"/>
@@ -7430,6 +7793,14 @@
   <p:clrMapOvr>
     <a:masterClrMapping/>
   </p:clrMapOvr>
+  <mc:AlternateContent xmlns:mc="http://schemas.openxmlformats.org/markup-compatibility/2006">
+    <mc:Choice xmlns:p14="http://schemas.microsoft.com/office/powerpoint/2010/main" Requires="p14">
+      <p:transition spd="slow" p14:dur="2000" advTm="2490"/>
+    </mc:Choice>
+    <mc:Fallback>
+      <p:transition spd="slow" advTm="2490"/>
+    </mc:Fallback>
+  </mc:AlternateContent>
 </p:sld>
 </file>
 
@@ -7933,7 +8304,7 @@
   <a:extraClrSchemeLst/>
   <a:extLst>
     <a:ext uri="{05A4C25C-085E-4340-85A3-A5531E510DB2}">
-      <thm15:themeFamily xmlns:thm15="http://schemas.microsoft.com/office/thememl/2012/main" xmlns="" name="Gallery" id="{BBFCD31E-59A1-489D-B089-A3EAD7CAE12E}" vid="{AC464412-510E-4F2B-8947-A0DDBD028997}"/>
+      <thm15:themeFamily xmlns:thm15="http://schemas.microsoft.com/office/thememl/2012/main" name="Gallery" id="{BBFCD31E-59A1-489D-B089-A3EAD7CAE12E}" vid="{AC464412-510E-4F2B-8947-A0DDBD028997}"/>
     </a:ext>
   </a:extLst>
 </a:theme>
